--- a/Ayudantia 2/Ayudantia2.pptx
+++ b/Ayudantia 2/Ayudantia2.pptx
@@ -5283,482 +5283,6 @@
           </a:fontRef>
         </p:style>
       </p:cxnSp>
-      <p:sp>
-        <p:nvSpPr>
-          <p:cNvPr id="15" name="Marcador de contenido 2">
-            <a:extLst>
-              <a:ext uri="{FF2B5EF4-FFF2-40B4-BE49-F238E27FC236}">
-                <a16:creationId xmlns:a16="http://schemas.microsoft.com/office/drawing/2014/main" id="{764A605D-79E9-9ECF-16E5-B479B89D2C72}"/>
-              </a:ext>
-            </a:extLst>
-          </p:cNvPr>
-          <p:cNvSpPr txBox="1">
-            <a:spLocks/>
-          </p:cNvSpPr>
-          <p:nvPr/>
-        </p:nvSpPr>
-        <p:spPr>
-          <a:xfrm>
-            <a:off x="5379721" y="3022898"/>
-            <a:ext cx="3108062" cy="602429"/>
-          </a:xfrm>
-          <a:prstGeom prst="rect">
-            <a:avLst/>
-          </a:prstGeom>
-        </p:spPr>
-        <p:txBody>
-          <a:bodyPr vert="horz" lIns="91440" tIns="45720" rIns="91440" bIns="45720" rtlCol="0">
-            <a:normAutofit/>
-          </a:bodyPr>
-          <a:lstStyle>
-            <a:lvl1pPr marL="228600" indent="-228600" algn="l" defTabSz="914400" rtl="0" eaLnBrk="1" latinLnBrk="0" hangingPunct="1">
-              <a:lnSpc>
-                <a:spcPct val="90000"/>
-              </a:lnSpc>
-              <a:spcBef>
-                <a:spcPts val="1000"/>
-              </a:spcBef>
-              <a:buFont typeface="Arial" panose="020B0604020202020204" pitchFamily="34" charset="0"/>
-              <a:buChar char="•"/>
-              <a:defRPr sz="2800" kern="1200">
-                <a:solidFill>
-                  <a:schemeClr val="tx1"/>
-                </a:solidFill>
-                <a:latin typeface="Consolas" panose="020B0609020204030204" pitchFamily="49" charset="0"/>
-                <a:ea typeface="+mn-ea"/>
-                <a:cs typeface="+mn-cs"/>
-              </a:defRPr>
-            </a:lvl1pPr>
-            <a:lvl2pPr marL="685800" indent="-228600" algn="l" defTabSz="914400" rtl="0" eaLnBrk="1" latinLnBrk="0" hangingPunct="1">
-              <a:lnSpc>
-                <a:spcPct val="90000"/>
-              </a:lnSpc>
-              <a:spcBef>
-                <a:spcPts val="500"/>
-              </a:spcBef>
-              <a:buFont typeface="Arial" panose="020B0604020202020204" pitchFamily="34" charset="0"/>
-              <a:buChar char="•"/>
-              <a:defRPr sz="2400" kern="1200">
-                <a:solidFill>
-                  <a:schemeClr val="tx1"/>
-                </a:solidFill>
-                <a:latin typeface="Consolas" panose="020B0609020204030204" pitchFamily="49" charset="0"/>
-                <a:ea typeface="+mn-ea"/>
-                <a:cs typeface="+mn-cs"/>
-              </a:defRPr>
-            </a:lvl2pPr>
-            <a:lvl3pPr marL="1143000" indent="-228600" algn="l" defTabSz="914400" rtl="0" eaLnBrk="1" latinLnBrk="0" hangingPunct="1">
-              <a:lnSpc>
-                <a:spcPct val="90000"/>
-              </a:lnSpc>
-              <a:spcBef>
-                <a:spcPts val="500"/>
-              </a:spcBef>
-              <a:buFont typeface="Arial" panose="020B0604020202020204" pitchFamily="34" charset="0"/>
-              <a:buChar char="•"/>
-              <a:defRPr sz="2000" kern="1200">
-                <a:solidFill>
-                  <a:schemeClr val="tx1"/>
-                </a:solidFill>
-                <a:latin typeface="Consolas" panose="020B0609020204030204" pitchFamily="49" charset="0"/>
-                <a:ea typeface="+mn-ea"/>
-                <a:cs typeface="+mn-cs"/>
-              </a:defRPr>
-            </a:lvl3pPr>
-            <a:lvl4pPr marL="1600200" indent="-228600" algn="l" defTabSz="914400" rtl="0" eaLnBrk="1" latinLnBrk="0" hangingPunct="1">
-              <a:lnSpc>
-                <a:spcPct val="90000"/>
-              </a:lnSpc>
-              <a:spcBef>
-                <a:spcPts val="500"/>
-              </a:spcBef>
-              <a:buFont typeface="Arial" panose="020B0604020202020204" pitchFamily="34" charset="0"/>
-              <a:buChar char="•"/>
-              <a:defRPr sz="1800" kern="1200">
-                <a:solidFill>
-                  <a:schemeClr val="tx1"/>
-                </a:solidFill>
-                <a:latin typeface="Consolas" panose="020B0609020204030204" pitchFamily="49" charset="0"/>
-                <a:ea typeface="+mn-ea"/>
-                <a:cs typeface="+mn-cs"/>
-              </a:defRPr>
-            </a:lvl4pPr>
-            <a:lvl5pPr marL="2057400" indent="-228600" algn="l" defTabSz="914400" rtl="0" eaLnBrk="1" latinLnBrk="0" hangingPunct="1">
-              <a:lnSpc>
-                <a:spcPct val="90000"/>
-              </a:lnSpc>
-              <a:spcBef>
-                <a:spcPts val="500"/>
-              </a:spcBef>
-              <a:buFont typeface="Arial" panose="020B0604020202020204" pitchFamily="34" charset="0"/>
-              <a:buChar char="•"/>
-              <a:defRPr sz="1800" kern="1200">
-                <a:solidFill>
-                  <a:schemeClr val="tx1"/>
-                </a:solidFill>
-                <a:latin typeface="Consolas" panose="020B0609020204030204" pitchFamily="49" charset="0"/>
-                <a:ea typeface="+mn-ea"/>
-                <a:cs typeface="+mn-cs"/>
-              </a:defRPr>
-            </a:lvl5pPr>
-            <a:lvl6pPr marL="2514600" indent="-228600" algn="l" defTabSz="914400" rtl="0" eaLnBrk="1" latinLnBrk="0" hangingPunct="1">
-              <a:lnSpc>
-                <a:spcPct val="90000"/>
-              </a:lnSpc>
-              <a:spcBef>
-                <a:spcPts val="500"/>
-              </a:spcBef>
-              <a:buFont typeface="Arial" panose="020B0604020202020204" pitchFamily="34" charset="0"/>
-              <a:buChar char="•"/>
-              <a:defRPr sz="1800" kern="1200">
-                <a:solidFill>
-                  <a:schemeClr val="tx1"/>
-                </a:solidFill>
-                <a:latin typeface="+mn-lt"/>
-                <a:ea typeface="+mn-ea"/>
-                <a:cs typeface="+mn-cs"/>
-              </a:defRPr>
-            </a:lvl6pPr>
-            <a:lvl7pPr marL="2971800" indent="-228600" algn="l" defTabSz="914400" rtl="0" eaLnBrk="1" latinLnBrk="0" hangingPunct="1">
-              <a:lnSpc>
-                <a:spcPct val="90000"/>
-              </a:lnSpc>
-              <a:spcBef>
-                <a:spcPts val="500"/>
-              </a:spcBef>
-              <a:buFont typeface="Arial" panose="020B0604020202020204" pitchFamily="34" charset="0"/>
-              <a:buChar char="•"/>
-              <a:defRPr sz="1800" kern="1200">
-                <a:solidFill>
-                  <a:schemeClr val="tx1"/>
-                </a:solidFill>
-                <a:latin typeface="+mn-lt"/>
-                <a:ea typeface="+mn-ea"/>
-                <a:cs typeface="+mn-cs"/>
-              </a:defRPr>
-            </a:lvl7pPr>
-            <a:lvl8pPr marL="3429000" indent="-228600" algn="l" defTabSz="914400" rtl="0" eaLnBrk="1" latinLnBrk="0" hangingPunct="1">
-              <a:lnSpc>
-                <a:spcPct val="90000"/>
-              </a:lnSpc>
-              <a:spcBef>
-                <a:spcPts val="500"/>
-              </a:spcBef>
-              <a:buFont typeface="Arial" panose="020B0604020202020204" pitchFamily="34" charset="0"/>
-              <a:buChar char="•"/>
-              <a:defRPr sz="1800" kern="1200">
-                <a:solidFill>
-                  <a:schemeClr val="tx1"/>
-                </a:solidFill>
-                <a:latin typeface="+mn-lt"/>
-                <a:ea typeface="+mn-ea"/>
-                <a:cs typeface="+mn-cs"/>
-              </a:defRPr>
-            </a:lvl8pPr>
-            <a:lvl9pPr marL="3886200" indent="-228600" algn="l" defTabSz="914400" rtl="0" eaLnBrk="1" latinLnBrk="0" hangingPunct="1">
-              <a:lnSpc>
-                <a:spcPct val="90000"/>
-              </a:lnSpc>
-              <a:spcBef>
-                <a:spcPts val="500"/>
-              </a:spcBef>
-              <a:buFont typeface="Arial" panose="020B0604020202020204" pitchFamily="34" charset="0"/>
-              <a:buChar char="•"/>
-              <a:defRPr sz="1800" kern="1200">
-                <a:solidFill>
-                  <a:schemeClr val="tx1"/>
-                </a:solidFill>
-                <a:latin typeface="+mn-lt"/>
-                <a:ea typeface="+mn-ea"/>
-                <a:cs typeface="+mn-cs"/>
-              </a:defRPr>
-            </a:lvl9pPr>
-          </a:lstStyle>
-          <a:p>
-            <a:pPr marL="0" indent="0">
-              <a:buFont typeface="Arial" panose="020B0604020202020204" pitchFamily="34" charset="0"/>
-              <a:buNone/>
-            </a:pPr>
-            <a:r>
-              <a:rPr lang="es-US" dirty="0" err="1">
-                <a:solidFill>
-                  <a:schemeClr val="accent1"/>
-                </a:solidFill>
-              </a:rPr>
-              <a:t>char</a:t>
-            </a:r>
-            <a:r>
-              <a:rPr lang="es-US" dirty="0">
-                <a:solidFill>
-                  <a:schemeClr val="accent1"/>
-                </a:solidFill>
-              </a:rPr>
-              <a:t> </a:t>
-            </a:r>
-            <a:r>
-              <a:rPr lang="es-US" dirty="0"/>
-              <a:t>*j = </a:t>
-            </a:r>
-            <a:r>
-              <a:rPr lang="es-US" dirty="0" err="1"/>
-              <a:t>str</a:t>
-            </a:r>
-            <a:r>
-              <a:rPr lang="es-US" dirty="0"/>
-              <a:t>;</a:t>
-            </a:r>
-            <a:endParaRPr lang="en-US" dirty="0"/>
-          </a:p>
-          <a:p>
-            <a:pPr marL="0" indent="0">
-              <a:buFont typeface="Arial" panose="020B0604020202020204" pitchFamily="34" charset="0"/>
-              <a:buNone/>
-            </a:pPr>
-            <a:endParaRPr lang="en-US" dirty="0"/>
-          </a:p>
-          <a:p>
-            <a:pPr marL="0" indent="0">
-              <a:buFont typeface="Arial" panose="020B0604020202020204" pitchFamily="34" charset="0"/>
-              <a:buNone/>
-            </a:pPr>
-            <a:endParaRPr lang="es-CL" dirty="0"/>
-          </a:p>
-        </p:txBody>
-      </p:sp>
-      <p:sp>
-        <p:nvSpPr>
-          <p:cNvPr id="16" name="Marcador de contenido 2">
-            <a:extLst>
-              <a:ext uri="{FF2B5EF4-FFF2-40B4-BE49-F238E27FC236}">
-                <a16:creationId xmlns:a16="http://schemas.microsoft.com/office/drawing/2014/main" id="{A311E523-ADD3-4806-6FB1-115A1D919E28}"/>
-              </a:ext>
-            </a:extLst>
-          </p:cNvPr>
-          <p:cNvSpPr txBox="1">
-            <a:spLocks/>
-          </p:cNvSpPr>
-          <p:nvPr/>
-        </p:nvSpPr>
-        <p:spPr>
-          <a:xfrm>
-            <a:off x="5348235" y="3468990"/>
-            <a:ext cx="5237290" cy="602429"/>
-          </a:xfrm>
-          <a:prstGeom prst="rect">
-            <a:avLst/>
-          </a:prstGeom>
-        </p:spPr>
-        <p:txBody>
-          <a:bodyPr vert="horz" lIns="91440" tIns="45720" rIns="91440" bIns="45720" rtlCol="0">
-            <a:normAutofit/>
-          </a:bodyPr>
-          <a:lstStyle>
-            <a:lvl1pPr marL="228600" indent="-228600" algn="l" defTabSz="914400" rtl="0" eaLnBrk="1" latinLnBrk="0" hangingPunct="1">
-              <a:lnSpc>
-                <a:spcPct val="90000"/>
-              </a:lnSpc>
-              <a:spcBef>
-                <a:spcPts val="1000"/>
-              </a:spcBef>
-              <a:buFont typeface="Arial" panose="020B0604020202020204" pitchFamily="34" charset="0"/>
-              <a:buChar char="•"/>
-              <a:defRPr sz="2800" kern="1200">
-                <a:solidFill>
-                  <a:schemeClr val="tx1"/>
-                </a:solidFill>
-                <a:latin typeface="Consolas" panose="020B0609020204030204" pitchFamily="49" charset="0"/>
-                <a:ea typeface="+mn-ea"/>
-                <a:cs typeface="+mn-cs"/>
-              </a:defRPr>
-            </a:lvl1pPr>
-            <a:lvl2pPr marL="685800" indent="-228600" algn="l" defTabSz="914400" rtl="0" eaLnBrk="1" latinLnBrk="0" hangingPunct="1">
-              <a:lnSpc>
-                <a:spcPct val="90000"/>
-              </a:lnSpc>
-              <a:spcBef>
-                <a:spcPts val="500"/>
-              </a:spcBef>
-              <a:buFont typeface="Arial" panose="020B0604020202020204" pitchFamily="34" charset="0"/>
-              <a:buChar char="•"/>
-              <a:defRPr sz="2400" kern="1200">
-                <a:solidFill>
-                  <a:schemeClr val="tx1"/>
-                </a:solidFill>
-                <a:latin typeface="Consolas" panose="020B0609020204030204" pitchFamily="49" charset="0"/>
-                <a:ea typeface="+mn-ea"/>
-                <a:cs typeface="+mn-cs"/>
-              </a:defRPr>
-            </a:lvl2pPr>
-            <a:lvl3pPr marL="1143000" indent="-228600" algn="l" defTabSz="914400" rtl="0" eaLnBrk="1" latinLnBrk="0" hangingPunct="1">
-              <a:lnSpc>
-                <a:spcPct val="90000"/>
-              </a:lnSpc>
-              <a:spcBef>
-                <a:spcPts val="500"/>
-              </a:spcBef>
-              <a:buFont typeface="Arial" panose="020B0604020202020204" pitchFamily="34" charset="0"/>
-              <a:buChar char="•"/>
-              <a:defRPr sz="2000" kern="1200">
-                <a:solidFill>
-                  <a:schemeClr val="tx1"/>
-                </a:solidFill>
-                <a:latin typeface="Consolas" panose="020B0609020204030204" pitchFamily="49" charset="0"/>
-                <a:ea typeface="+mn-ea"/>
-                <a:cs typeface="+mn-cs"/>
-              </a:defRPr>
-            </a:lvl3pPr>
-            <a:lvl4pPr marL="1600200" indent="-228600" algn="l" defTabSz="914400" rtl="0" eaLnBrk="1" latinLnBrk="0" hangingPunct="1">
-              <a:lnSpc>
-                <a:spcPct val="90000"/>
-              </a:lnSpc>
-              <a:spcBef>
-                <a:spcPts val="500"/>
-              </a:spcBef>
-              <a:buFont typeface="Arial" panose="020B0604020202020204" pitchFamily="34" charset="0"/>
-              <a:buChar char="•"/>
-              <a:defRPr sz="1800" kern="1200">
-                <a:solidFill>
-                  <a:schemeClr val="tx1"/>
-                </a:solidFill>
-                <a:latin typeface="Consolas" panose="020B0609020204030204" pitchFamily="49" charset="0"/>
-                <a:ea typeface="+mn-ea"/>
-                <a:cs typeface="+mn-cs"/>
-              </a:defRPr>
-            </a:lvl4pPr>
-            <a:lvl5pPr marL="2057400" indent="-228600" algn="l" defTabSz="914400" rtl="0" eaLnBrk="1" latinLnBrk="0" hangingPunct="1">
-              <a:lnSpc>
-                <a:spcPct val="90000"/>
-              </a:lnSpc>
-              <a:spcBef>
-                <a:spcPts val="500"/>
-              </a:spcBef>
-              <a:buFont typeface="Arial" panose="020B0604020202020204" pitchFamily="34" charset="0"/>
-              <a:buChar char="•"/>
-              <a:defRPr sz="1800" kern="1200">
-                <a:solidFill>
-                  <a:schemeClr val="tx1"/>
-                </a:solidFill>
-                <a:latin typeface="Consolas" panose="020B0609020204030204" pitchFamily="49" charset="0"/>
-                <a:ea typeface="+mn-ea"/>
-                <a:cs typeface="+mn-cs"/>
-              </a:defRPr>
-            </a:lvl5pPr>
-            <a:lvl6pPr marL="2514600" indent="-228600" algn="l" defTabSz="914400" rtl="0" eaLnBrk="1" latinLnBrk="0" hangingPunct="1">
-              <a:lnSpc>
-                <a:spcPct val="90000"/>
-              </a:lnSpc>
-              <a:spcBef>
-                <a:spcPts val="500"/>
-              </a:spcBef>
-              <a:buFont typeface="Arial" panose="020B0604020202020204" pitchFamily="34" charset="0"/>
-              <a:buChar char="•"/>
-              <a:defRPr sz="1800" kern="1200">
-                <a:solidFill>
-                  <a:schemeClr val="tx1"/>
-                </a:solidFill>
-                <a:latin typeface="+mn-lt"/>
-                <a:ea typeface="+mn-ea"/>
-                <a:cs typeface="+mn-cs"/>
-              </a:defRPr>
-            </a:lvl6pPr>
-            <a:lvl7pPr marL="2971800" indent="-228600" algn="l" defTabSz="914400" rtl="0" eaLnBrk="1" latinLnBrk="0" hangingPunct="1">
-              <a:lnSpc>
-                <a:spcPct val="90000"/>
-              </a:lnSpc>
-              <a:spcBef>
-                <a:spcPts val="500"/>
-              </a:spcBef>
-              <a:buFont typeface="Arial" panose="020B0604020202020204" pitchFamily="34" charset="0"/>
-              <a:buChar char="•"/>
-              <a:defRPr sz="1800" kern="1200">
-                <a:solidFill>
-                  <a:schemeClr val="tx1"/>
-                </a:solidFill>
-                <a:latin typeface="+mn-lt"/>
-                <a:ea typeface="+mn-ea"/>
-                <a:cs typeface="+mn-cs"/>
-              </a:defRPr>
-            </a:lvl7pPr>
-            <a:lvl8pPr marL="3429000" indent="-228600" algn="l" defTabSz="914400" rtl="0" eaLnBrk="1" latinLnBrk="0" hangingPunct="1">
-              <a:lnSpc>
-                <a:spcPct val="90000"/>
-              </a:lnSpc>
-              <a:spcBef>
-                <a:spcPts val="500"/>
-              </a:spcBef>
-              <a:buFont typeface="Arial" panose="020B0604020202020204" pitchFamily="34" charset="0"/>
-              <a:buChar char="•"/>
-              <a:defRPr sz="1800" kern="1200">
-                <a:solidFill>
-                  <a:schemeClr val="tx1"/>
-                </a:solidFill>
-                <a:latin typeface="+mn-lt"/>
-                <a:ea typeface="+mn-ea"/>
-                <a:cs typeface="+mn-cs"/>
-              </a:defRPr>
-            </a:lvl8pPr>
-            <a:lvl9pPr marL="3886200" indent="-228600" algn="l" defTabSz="914400" rtl="0" eaLnBrk="1" latinLnBrk="0" hangingPunct="1">
-              <a:lnSpc>
-                <a:spcPct val="90000"/>
-              </a:lnSpc>
-              <a:spcBef>
-                <a:spcPts val="500"/>
-              </a:spcBef>
-              <a:buFont typeface="Arial" panose="020B0604020202020204" pitchFamily="34" charset="0"/>
-              <a:buChar char="•"/>
-              <a:defRPr sz="1800" kern="1200">
-                <a:solidFill>
-                  <a:schemeClr val="tx1"/>
-                </a:solidFill>
-                <a:latin typeface="+mn-lt"/>
-                <a:ea typeface="+mn-ea"/>
-                <a:cs typeface="+mn-cs"/>
-              </a:defRPr>
-            </a:lvl9pPr>
-          </a:lstStyle>
-          <a:p>
-            <a:pPr marL="0" indent="0">
-              <a:buFont typeface="Arial" panose="020B0604020202020204" pitchFamily="34" charset="0"/>
-              <a:buNone/>
-            </a:pPr>
-            <a:r>
-              <a:rPr lang="es-US" dirty="0" err="1">
-                <a:solidFill>
-                  <a:schemeClr val="accent1"/>
-                </a:solidFill>
-              </a:rPr>
-              <a:t>char</a:t>
-            </a:r>
-            <a:r>
-              <a:rPr lang="es-US" dirty="0">
-                <a:solidFill>
-                  <a:schemeClr val="accent1"/>
-                </a:solidFill>
-              </a:rPr>
-              <a:t> </a:t>
-            </a:r>
-            <a:r>
-              <a:rPr lang="es-US" dirty="0"/>
-              <a:t>*i = ;</a:t>
-            </a:r>
-            <a:endParaRPr lang="en-US" dirty="0"/>
-          </a:p>
-          <a:p>
-            <a:pPr marL="0" indent="0">
-              <a:buFont typeface="Arial" panose="020B0604020202020204" pitchFamily="34" charset="0"/>
-              <a:buNone/>
-            </a:pPr>
-            <a:endParaRPr lang="en-US" dirty="0"/>
-          </a:p>
-          <a:p>
-            <a:pPr marL="0" indent="0">
-              <a:buFont typeface="Arial" panose="020B0604020202020204" pitchFamily="34" charset="0"/>
-              <a:buNone/>
-            </a:pPr>
-            <a:endParaRPr lang="es-CL" dirty="0"/>
-          </a:p>
-        </p:txBody>
-      </p:sp>
     </p:spTree>
     <p:extLst>
       <p:ext uri="{BB962C8B-B14F-4D97-AF65-F5344CB8AC3E}">
